--- a/powerpoint.pptx
+++ b/powerpoint.pptx
@@ -7,6 +7,14 @@
   <p:sldIdLst>
     <p:sldId id="256" r:id="rId2"/>
     <p:sldId id="257" r:id="rId3"/>
+    <p:sldId id="258" r:id="rId4"/>
+    <p:sldId id="259" r:id="rId5"/>
+    <p:sldId id="260" r:id="rId6"/>
+    <p:sldId id="261" r:id="rId7"/>
+    <p:sldId id="262" r:id="rId8"/>
+    <p:sldId id="263" r:id="rId9"/>
+    <p:sldId id="264" r:id="rId10"/>
+    <p:sldId id="265" r:id="rId11"/>
   </p:sldIdLst>
   <p:sldSz cx="9144000" cy="6858000" type="screen4x3"/>
   <p:notesSz cx="6858000" cy="9144000"/>
@@ -287,9 +295,9 @@
           <a:bodyPr/>
           <a:lstStyle/>
           <a:p>
-            <a:fld id="{DE142492-1F4B-4766-8F07-343577DF8DD4}" type="datetimeFigureOut">
-              <a:rPr lang="fr-FR" smtClean="0"/>
-              <a:t>07/08/2025</a:t>
+            <a:fld id="{DDB1C788-C4D0-47D5-ACF0-BB30B2FC69D8}" type="datetimeFigureOut">
+              <a:rPr lang="fr-FR" smtClean="0"/>
+              <a:t>09/08/2025</a:t>
             </a:fld>
             <a:endParaRPr lang="fr-FR"/>
           </a:p>
@@ -329,7 +337,7 @@
           <a:bodyPr/>
           <a:lstStyle/>
           <a:p>
-            <a:fld id="{4CDC0D04-F09A-4F0C-B9EE-26DBDF0AFC45}" type="slidenum">
+            <a:fld id="{C01E7AF5-E303-47AF-8296-BE03CDECE123}" type="slidenum">
               <a:rPr lang="fr-FR" smtClean="0"/>
               <a:t>‹N°›</a:t>
             </a:fld>
@@ -340,7 +348,7 @@
     </p:spTree>
     <p:extLst>
       <p:ext uri="{BB962C8B-B14F-4D97-AF65-F5344CB8AC3E}">
-        <p14:creationId xmlns:p14="http://schemas.microsoft.com/office/powerpoint/2010/main" val="2453890548"/>
+        <p14:creationId xmlns:p14="http://schemas.microsoft.com/office/powerpoint/2010/main" val="280075703"/>
       </p:ext>
     </p:extLst>
   </p:cSld>
@@ -457,9 +465,9 @@
           <a:bodyPr/>
           <a:lstStyle/>
           <a:p>
-            <a:fld id="{DE142492-1F4B-4766-8F07-343577DF8DD4}" type="datetimeFigureOut">
-              <a:rPr lang="fr-FR" smtClean="0"/>
-              <a:t>07/08/2025</a:t>
+            <a:fld id="{DDB1C788-C4D0-47D5-ACF0-BB30B2FC69D8}" type="datetimeFigureOut">
+              <a:rPr lang="fr-FR" smtClean="0"/>
+              <a:t>09/08/2025</a:t>
             </a:fld>
             <a:endParaRPr lang="fr-FR"/>
           </a:p>
@@ -499,7 +507,7 @@
           <a:bodyPr/>
           <a:lstStyle/>
           <a:p>
-            <a:fld id="{4CDC0D04-F09A-4F0C-B9EE-26DBDF0AFC45}" type="slidenum">
+            <a:fld id="{C01E7AF5-E303-47AF-8296-BE03CDECE123}" type="slidenum">
               <a:rPr lang="fr-FR" smtClean="0"/>
               <a:t>‹N°›</a:t>
             </a:fld>
@@ -510,7 +518,7 @@
     </p:spTree>
     <p:extLst>
       <p:ext uri="{BB962C8B-B14F-4D97-AF65-F5344CB8AC3E}">
-        <p14:creationId xmlns:p14="http://schemas.microsoft.com/office/powerpoint/2010/main" val="1491667879"/>
+        <p14:creationId xmlns:p14="http://schemas.microsoft.com/office/powerpoint/2010/main" val="1644036008"/>
       </p:ext>
     </p:extLst>
   </p:cSld>
@@ -637,9 +645,9 @@
           <a:bodyPr/>
           <a:lstStyle/>
           <a:p>
-            <a:fld id="{DE142492-1F4B-4766-8F07-343577DF8DD4}" type="datetimeFigureOut">
-              <a:rPr lang="fr-FR" smtClean="0"/>
-              <a:t>07/08/2025</a:t>
+            <a:fld id="{DDB1C788-C4D0-47D5-ACF0-BB30B2FC69D8}" type="datetimeFigureOut">
+              <a:rPr lang="fr-FR" smtClean="0"/>
+              <a:t>09/08/2025</a:t>
             </a:fld>
             <a:endParaRPr lang="fr-FR"/>
           </a:p>
@@ -679,7 +687,7 @@
           <a:bodyPr/>
           <a:lstStyle/>
           <a:p>
-            <a:fld id="{4CDC0D04-F09A-4F0C-B9EE-26DBDF0AFC45}" type="slidenum">
+            <a:fld id="{C01E7AF5-E303-47AF-8296-BE03CDECE123}" type="slidenum">
               <a:rPr lang="fr-FR" smtClean="0"/>
               <a:t>‹N°›</a:t>
             </a:fld>
@@ -690,7 +698,7 @@
     </p:spTree>
     <p:extLst>
       <p:ext uri="{BB962C8B-B14F-4D97-AF65-F5344CB8AC3E}">
-        <p14:creationId xmlns:p14="http://schemas.microsoft.com/office/powerpoint/2010/main" val="3060903452"/>
+        <p14:creationId xmlns:p14="http://schemas.microsoft.com/office/powerpoint/2010/main" val="449791408"/>
       </p:ext>
     </p:extLst>
   </p:cSld>
@@ -807,9 +815,9 @@
           <a:bodyPr/>
           <a:lstStyle/>
           <a:p>
-            <a:fld id="{DE142492-1F4B-4766-8F07-343577DF8DD4}" type="datetimeFigureOut">
-              <a:rPr lang="fr-FR" smtClean="0"/>
-              <a:t>07/08/2025</a:t>
+            <a:fld id="{DDB1C788-C4D0-47D5-ACF0-BB30B2FC69D8}" type="datetimeFigureOut">
+              <a:rPr lang="fr-FR" smtClean="0"/>
+              <a:t>09/08/2025</a:t>
             </a:fld>
             <a:endParaRPr lang="fr-FR"/>
           </a:p>
@@ -849,7 +857,7 @@
           <a:bodyPr/>
           <a:lstStyle/>
           <a:p>
-            <a:fld id="{4CDC0D04-F09A-4F0C-B9EE-26DBDF0AFC45}" type="slidenum">
+            <a:fld id="{C01E7AF5-E303-47AF-8296-BE03CDECE123}" type="slidenum">
               <a:rPr lang="fr-FR" smtClean="0"/>
               <a:t>‹N°›</a:t>
             </a:fld>
@@ -860,7 +868,7 @@
     </p:spTree>
     <p:extLst>
       <p:ext uri="{BB962C8B-B14F-4D97-AF65-F5344CB8AC3E}">
-        <p14:creationId xmlns:p14="http://schemas.microsoft.com/office/powerpoint/2010/main" val="1718366516"/>
+        <p14:creationId xmlns:p14="http://schemas.microsoft.com/office/powerpoint/2010/main" val="1427602005"/>
       </p:ext>
     </p:extLst>
   </p:cSld>
@@ -1053,9 +1061,9 @@
           <a:bodyPr/>
           <a:lstStyle/>
           <a:p>
-            <a:fld id="{DE142492-1F4B-4766-8F07-343577DF8DD4}" type="datetimeFigureOut">
-              <a:rPr lang="fr-FR" smtClean="0"/>
-              <a:t>07/08/2025</a:t>
+            <a:fld id="{DDB1C788-C4D0-47D5-ACF0-BB30B2FC69D8}" type="datetimeFigureOut">
+              <a:rPr lang="fr-FR" smtClean="0"/>
+              <a:t>09/08/2025</a:t>
             </a:fld>
             <a:endParaRPr lang="fr-FR"/>
           </a:p>
@@ -1095,7 +1103,7 @@
           <a:bodyPr/>
           <a:lstStyle/>
           <a:p>
-            <a:fld id="{4CDC0D04-F09A-4F0C-B9EE-26DBDF0AFC45}" type="slidenum">
+            <a:fld id="{C01E7AF5-E303-47AF-8296-BE03CDECE123}" type="slidenum">
               <a:rPr lang="fr-FR" smtClean="0"/>
               <a:t>‹N°›</a:t>
             </a:fld>
@@ -1106,7 +1114,7 @@
     </p:spTree>
     <p:extLst>
       <p:ext uri="{BB962C8B-B14F-4D97-AF65-F5344CB8AC3E}">
-        <p14:creationId xmlns:p14="http://schemas.microsoft.com/office/powerpoint/2010/main" val="1903314058"/>
+        <p14:creationId xmlns:p14="http://schemas.microsoft.com/office/powerpoint/2010/main" val="2931694604"/>
       </p:ext>
     </p:extLst>
   </p:cSld>
@@ -1341,9 +1349,9 @@
           <a:bodyPr/>
           <a:lstStyle/>
           <a:p>
-            <a:fld id="{DE142492-1F4B-4766-8F07-343577DF8DD4}" type="datetimeFigureOut">
-              <a:rPr lang="fr-FR" smtClean="0"/>
-              <a:t>07/08/2025</a:t>
+            <a:fld id="{DDB1C788-C4D0-47D5-ACF0-BB30B2FC69D8}" type="datetimeFigureOut">
+              <a:rPr lang="fr-FR" smtClean="0"/>
+              <a:t>09/08/2025</a:t>
             </a:fld>
             <a:endParaRPr lang="fr-FR"/>
           </a:p>
@@ -1383,7 +1391,7 @@
           <a:bodyPr/>
           <a:lstStyle/>
           <a:p>
-            <a:fld id="{4CDC0D04-F09A-4F0C-B9EE-26DBDF0AFC45}" type="slidenum">
+            <a:fld id="{C01E7AF5-E303-47AF-8296-BE03CDECE123}" type="slidenum">
               <a:rPr lang="fr-FR" smtClean="0"/>
               <a:t>‹N°›</a:t>
             </a:fld>
@@ -1394,7 +1402,7 @@
     </p:spTree>
     <p:extLst>
       <p:ext uri="{BB962C8B-B14F-4D97-AF65-F5344CB8AC3E}">
-        <p14:creationId xmlns:p14="http://schemas.microsoft.com/office/powerpoint/2010/main" val="2794889017"/>
+        <p14:creationId xmlns:p14="http://schemas.microsoft.com/office/powerpoint/2010/main" val="1697278815"/>
       </p:ext>
     </p:extLst>
   </p:cSld>
@@ -1763,9 +1771,9 @@
           <a:bodyPr/>
           <a:lstStyle/>
           <a:p>
-            <a:fld id="{DE142492-1F4B-4766-8F07-343577DF8DD4}" type="datetimeFigureOut">
-              <a:rPr lang="fr-FR" smtClean="0"/>
-              <a:t>07/08/2025</a:t>
+            <a:fld id="{DDB1C788-C4D0-47D5-ACF0-BB30B2FC69D8}" type="datetimeFigureOut">
+              <a:rPr lang="fr-FR" smtClean="0"/>
+              <a:t>09/08/2025</a:t>
             </a:fld>
             <a:endParaRPr lang="fr-FR"/>
           </a:p>
@@ -1805,7 +1813,7 @@
           <a:bodyPr/>
           <a:lstStyle/>
           <a:p>
-            <a:fld id="{4CDC0D04-F09A-4F0C-B9EE-26DBDF0AFC45}" type="slidenum">
+            <a:fld id="{C01E7AF5-E303-47AF-8296-BE03CDECE123}" type="slidenum">
               <a:rPr lang="fr-FR" smtClean="0"/>
               <a:t>‹N°›</a:t>
             </a:fld>
@@ -1816,7 +1824,7 @@
     </p:spTree>
     <p:extLst>
       <p:ext uri="{BB962C8B-B14F-4D97-AF65-F5344CB8AC3E}">
-        <p14:creationId xmlns:p14="http://schemas.microsoft.com/office/powerpoint/2010/main" val="2034330596"/>
+        <p14:creationId xmlns:p14="http://schemas.microsoft.com/office/powerpoint/2010/main" val="1101259514"/>
       </p:ext>
     </p:extLst>
   </p:cSld>
@@ -1881,9 +1889,9 @@
           <a:bodyPr/>
           <a:lstStyle/>
           <a:p>
-            <a:fld id="{DE142492-1F4B-4766-8F07-343577DF8DD4}" type="datetimeFigureOut">
-              <a:rPr lang="fr-FR" smtClean="0"/>
-              <a:t>07/08/2025</a:t>
+            <a:fld id="{DDB1C788-C4D0-47D5-ACF0-BB30B2FC69D8}" type="datetimeFigureOut">
+              <a:rPr lang="fr-FR" smtClean="0"/>
+              <a:t>09/08/2025</a:t>
             </a:fld>
             <a:endParaRPr lang="fr-FR"/>
           </a:p>
@@ -1923,7 +1931,7 @@
           <a:bodyPr/>
           <a:lstStyle/>
           <a:p>
-            <a:fld id="{4CDC0D04-F09A-4F0C-B9EE-26DBDF0AFC45}" type="slidenum">
+            <a:fld id="{C01E7AF5-E303-47AF-8296-BE03CDECE123}" type="slidenum">
               <a:rPr lang="fr-FR" smtClean="0"/>
               <a:t>‹N°›</a:t>
             </a:fld>
@@ -1934,7 +1942,7 @@
     </p:spTree>
     <p:extLst>
       <p:ext uri="{BB962C8B-B14F-4D97-AF65-F5344CB8AC3E}">
-        <p14:creationId xmlns:p14="http://schemas.microsoft.com/office/powerpoint/2010/main" val="1874146649"/>
+        <p14:creationId xmlns:p14="http://schemas.microsoft.com/office/powerpoint/2010/main" val="3226723802"/>
       </p:ext>
     </p:extLst>
   </p:cSld>
@@ -1976,9 +1984,9 @@
           <a:bodyPr/>
           <a:lstStyle/>
           <a:p>
-            <a:fld id="{DE142492-1F4B-4766-8F07-343577DF8DD4}" type="datetimeFigureOut">
-              <a:rPr lang="fr-FR" smtClean="0"/>
-              <a:t>07/08/2025</a:t>
+            <a:fld id="{DDB1C788-C4D0-47D5-ACF0-BB30B2FC69D8}" type="datetimeFigureOut">
+              <a:rPr lang="fr-FR" smtClean="0"/>
+              <a:t>09/08/2025</a:t>
             </a:fld>
             <a:endParaRPr lang="fr-FR"/>
           </a:p>
@@ -2018,7 +2026,7 @@
           <a:bodyPr/>
           <a:lstStyle/>
           <a:p>
-            <a:fld id="{4CDC0D04-F09A-4F0C-B9EE-26DBDF0AFC45}" type="slidenum">
+            <a:fld id="{C01E7AF5-E303-47AF-8296-BE03CDECE123}" type="slidenum">
               <a:rPr lang="fr-FR" smtClean="0"/>
               <a:t>‹N°›</a:t>
             </a:fld>
@@ -2029,7 +2037,7 @@
     </p:spTree>
     <p:extLst>
       <p:ext uri="{BB962C8B-B14F-4D97-AF65-F5344CB8AC3E}">
-        <p14:creationId xmlns:p14="http://schemas.microsoft.com/office/powerpoint/2010/main" val="87645410"/>
+        <p14:creationId xmlns:p14="http://schemas.microsoft.com/office/powerpoint/2010/main" val="530280885"/>
       </p:ext>
     </p:extLst>
   </p:cSld>
@@ -2253,9 +2261,9 @@
           <a:bodyPr/>
           <a:lstStyle/>
           <a:p>
-            <a:fld id="{DE142492-1F4B-4766-8F07-343577DF8DD4}" type="datetimeFigureOut">
-              <a:rPr lang="fr-FR" smtClean="0"/>
-              <a:t>07/08/2025</a:t>
+            <a:fld id="{DDB1C788-C4D0-47D5-ACF0-BB30B2FC69D8}" type="datetimeFigureOut">
+              <a:rPr lang="fr-FR" smtClean="0"/>
+              <a:t>09/08/2025</a:t>
             </a:fld>
             <a:endParaRPr lang="fr-FR"/>
           </a:p>
@@ -2295,7 +2303,7 @@
           <a:bodyPr/>
           <a:lstStyle/>
           <a:p>
-            <a:fld id="{4CDC0D04-F09A-4F0C-B9EE-26DBDF0AFC45}" type="slidenum">
+            <a:fld id="{C01E7AF5-E303-47AF-8296-BE03CDECE123}" type="slidenum">
               <a:rPr lang="fr-FR" smtClean="0"/>
               <a:t>‹N°›</a:t>
             </a:fld>
@@ -2306,7 +2314,7 @@
     </p:spTree>
     <p:extLst>
       <p:ext uri="{BB962C8B-B14F-4D97-AF65-F5344CB8AC3E}">
-        <p14:creationId xmlns:p14="http://schemas.microsoft.com/office/powerpoint/2010/main" val="1060089414"/>
+        <p14:creationId xmlns:p14="http://schemas.microsoft.com/office/powerpoint/2010/main" val="3717153234"/>
       </p:ext>
     </p:extLst>
   </p:cSld>
@@ -2506,9 +2514,9 @@
           <a:bodyPr/>
           <a:lstStyle/>
           <a:p>
-            <a:fld id="{DE142492-1F4B-4766-8F07-343577DF8DD4}" type="datetimeFigureOut">
-              <a:rPr lang="fr-FR" smtClean="0"/>
-              <a:t>07/08/2025</a:t>
+            <a:fld id="{DDB1C788-C4D0-47D5-ACF0-BB30B2FC69D8}" type="datetimeFigureOut">
+              <a:rPr lang="fr-FR" smtClean="0"/>
+              <a:t>09/08/2025</a:t>
             </a:fld>
             <a:endParaRPr lang="fr-FR"/>
           </a:p>
@@ -2548,7 +2556,7 @@
           <a:bodyPr/>
           <a:lstStyle/>
           <a:p>
-            <a:fld id="{4CDC0D04-F09A-4F0C-B9EE-26DBDF0AFC45}" type="slidenum">
+            <a:fld id="{C01E7AF5-E303-47AF-8296-BE03CDECE123}" type="slidenum">
               <a:rPr lang="fr-FR" smtClean="0"/>
               <a:t>‹N°›</a:t>
             </a:fld>
@@ -2559,7 +2567,7 @@
     </p:spTree>
     <p:extLst>
       <p:ext uri="{BB962C8B-B14F-4D97-AF65-F5344CB8AC3E}">
-        <p14:creationId xmlns:p14="http://schemas.microsoft.com/office/powerpoint/2010/main" val="4043560499"/>
+        <p14:creationId xmlns:p14="http://schemas.microsoft.com/office/powerpoint/2010/main" val="2773999211"/>
       </p:ext>
     </p:extLst>
   </p:cSld>
@@ -2719,9 +2727,9 @@
             </a:lvl1pPr>
           </a:lstStyle>
           <a:p>
-            <a:fld id="{DE142492-1F4B-4766-8F07-343577DF8DD4}" type="datetimeFigureOut">
-              <a:rPr lang="fr-FR" smtClean="0"/>
-              <a:t>07/08/2025</a:t>
+            <a:fld id="{DDB1C788-C4D0-47D5-ACF0-BB30B2FC69D8}" type="datetimeFigureOut">
+              <a:rPr lang="fr-FR" smtClean="0"/>
+              <a:t>09/08/2025</a:t>
             </a:fld>
             <a:endParaRPr lang="fr-FR"/>
           </a:p>
@@ -2797,7 +2805,7 @@
             </a:lvl1pPr>
           </a:lstStyle>
           <a:p>
-            <a:fld id="{4CDC0D04-F09A-4F0C-B9EE-26DBDF0AFC45}" type="slidenum">
+            <a:fld id="{C01E7AF5-E303-47AF-8296-BE03CDECE123}" type="slidenum">
               <a:rPr lang="fr-FR" smtClean="0"/>
               <a:t>‹N°›</a:t>
             </a:fld>
@@ -2808,7 +2816,7 @@
     </p:spTree>
     <p:extLst>
       <p:ext uri="{BB962C8B-B14F-4D97-AF65-F5344CB8AC3E}">
-        <p14:creationId xmlns:p14="http://schemas.microsoft.com/office/powerpoint/2010/main" val="2421205754"/>
+        <p14:creationId xmlns:p14="http://schemas.microsoft.com/office/powerpoint/2010/main" val="2906539254"/>
       </p:ext>
     </p:extLst>
   </p:cSld>
@@ -3098,19 +3106,26 @@
       </p:grpSpPr>
       <p:sp>
         <p:nvSpPr>
-          <p:cNvPr id="2" name="Titre 1"/>
-          <p:cNvSpPr>
-            <a:spLocks noGrp="1"/>
-          </p:cNvSpPr>
-          <p:nvPr>
-            <p:ph type="ctrTitle"/>
+          <p:cNvPr id="3" name="Sous-titre 2"/>
+          <p:cNvSpPr>
+            <a:spLocks noGrp="1"/>
+          </p:cNvSpPr>
+          <p:nvPr>
+            <p:ph type="subTitle" idx="1"/>
           </p:nvPr>
         </p:nvSpPr>
         <p:spPr>
           <a:xfrm>
-            <a:off x="2267744" y="188640"/>
-            <a:ext cx="4464496" cy="720080"/>
+            <a:off x="323528" y="116632"/>
+            <a:ext cx="8424936" cy="1752600"/>
           </a:xfrm>
+          <a:effectLst>
+            <a:outerShdw blurRad="50800" dist="50800" dir="5400000" algn="ctr" rotWithShape="0">
+              <a:schemeClr val="bg1">
+                <a:lumMod val="85000"/>
+              </a:schemeClr>
+            </a:outerShdw>
+          </a:effectLst>
         </p:spPr>
         <p:txBody>
           <a:bodyPr>
@@ -3119,67 +3134,292 @@
           <a:lstStyle/>
           <a:p>
             <a:r>
-              <a:rPr lang="fr-FR" sz="1800" dirty="0" smtClean="0"/>
-              <a:t>MASTER PROFESSIONNEL EN GENIE LOGICIEL</a:t>
-            </a:r>
-            <a:endParaRPr lang="fr-FR" sz="1800" dirty="0"/>
-          </a:p>
-        </p:txBody>
-      </p:sp>
-      <p:sp>
-        <p:nvSpPr>
-          <p:cNvPr id="4" name="Titre 1"/>
-          <p:cNvSpPr txBox="1">
-            <a:spLocks/>
-          </p:cNvSpPr>
-          <p:nvPr/>
+              <a:rPr lang="fr-FR" b="1" dirty="0" smtClean="0">
+                <a:solidFill>
+                  <a:srgbClr val="C00000"/>
+                </a:solidFill>
+              </a:rPr>
+              <a:t>STAGE PROFESSIONNEL EN VUE DE L’OBTENTION DU MASTER PROFESSIONNEL EN MASTER 2 OPTION SYSTÈME D’INFORMATION</a:t>
+            </a:r>
+            <a:endParaRPr lang="fr-FR" b="1" dirty="0">
+              <a:solidFill>
+                <a:srgbClr val="C00000"/>
+              </a:solidFill>
+            </a:endParaRPr>
+          </a:p>
+        </p:txBody>
+      </p:sp>
+      <p:sp>
+        <p:nvSpPr>
+          <p:cNvPr id="4" name="Titre 3"/>
+          <p:cNvSpPr>
+            <a:spLocks noGrp="1"/>
+          </p:cNvSpPr>
+          <p:nvPr>
+            <p:ph type="ctrTitle"/>
+          </p:nvPr>
         </p:nvSpPr>
         <p:spPr>
           <a:xfrm>
-            <a:off x="899592" y="1916832"/>
-            <a:ext cx="7488832" cy="1296144"/>
+            <a:off x="584714" y="3043370"/>
+            <a:ext cx="7772400" cy="1470025"/>
+          </a:xfrm>
+          <a:ln>
+            <a:solidFill>
+              <a:schemeClr val="accent1">
+                <a:alpha val="67000"/>
+              </a:schemeClr>
+            </a:solidFill>
+          </a:ln>
+        </p:spPr>
+        <p:txBody>
+          <a:bodyPr>
+            <a:normAutofit/>
+          </a:bodyPr>
+          <a:lstStyle/>
+          <a:p>
+            <a:r>
+              <a:rPr lang="fr-FR" sz="2800" dirty="0" smtClean="0"/>
+              <a:t>THEME: CONCEPTION ET REALISATION D’UNE APPLICATION DE GESTION DES INFRASTRUCTURES AU MINPROFF</a:t>
+            </a:r>
+            <a:endParaRPr lang="fr-FR" sz="2800" dirty="0"/>
+          </a:p>
+        </p:txBody>
+      </p:sp>
+    </p:spTree>
+    <p:extLst>
+      <p:ext uri="{BB962C8B-B14F-4D97-AF65-F5344CB8AC3E}">
+        <p14:creationId xmlns:p14="http://schemas.microsoft.com/office/powerpoint/2010/main" val="992345369"/>
+      </p:ext>
+    </p:extLst>
+  </p:cSld>
+  <p:clrMapOvr>
+    <a:masterClrMapping/>
+  </p:clrMapOvr>
+</p:sld>
+</file>
+
+<file path=ppt/slides/slide10.xml><?xml version="1.0" encoding="utf-8"?>
+<p:sld xmlns:a="http://schemas.openxmlformats.org/drawingml/2006/main" xmlns:r="http://schemas.openxmlformats.org/officeDocument/2006/relationships" xmlns:p="http://schemas.openxmlformats.org/presentationml/2006/main">
+  <p:cSld>
+    <p:spTree>
+      <p:nvGrpSpPr>
+        <p:cNvPr id="1" name=""/>
+        <p:cNvGrpSpPr/>
+        <p:nvPr/>
+      </p:nvGrpSpPr>
+      <p:grpSpPr>
+        <a:xfrm>
+          <a:off x="0" y="0"/>
+          <a:ext cx="0" cy="0"/>
+          <a:chOff x="0" y="0"/>
+          <a:chExt cx="0" cy="0"/>
+        </a:xfrm>
+      </p:grpSpPr>
+      <p:sp>
+        <p:nvSpPr>
+          <p:cNvPr id="3" name="Espace réservé du contenu 2"/>
+          <p:cNvSpPr>
+            <a:spLocks noGrp="1"/>
+          </p:cNvSpPr>
+          <p:nvPr>
+            <p:ph idx="1"/>
+          </p:nvPr>
+        </p:nvSpPr>
+        <p:spPr>
+          <a:xfrm>
+            <a:off x="444844" y="982363"/>
+            <a:ext cx="8229600" cy="4525963"/>
+          </a:xfrm>
+        </p:spPr>
+        <p:txBody>
+          <a:bodyPr>
+            <a:normAutofit/>
+          </a:bodyPr>
+          <a:lstStyle/>
+          <a:p>
+            <a:pPr marL="0" indent="0">
+              <a:buNone/>
+            </a:pPr>
+            <a:r>
+              <a:rPr lang="fr-FR" sz="1800" dirty="0" smtClean="0"/>
+              <a:t>Jusqu’ici, le travail réalisé est le suivant:</a:t>
+            </a:r>
+          </a:p>
+          <a:p>
+            <a:pPr>
+              <a:buFontTx/>
+              <a:buChar char="-"/>
+            </a:pPr>
+            <a:r>
+              <a:rPr lang="fr-FR" sz="1800" dirty="0" smtClean="0"/>
+              <a:t>La création des subdivisions administratives</a:t>
+            </a:r>
+          </a:p>
+          <a:p>
+            <a:pPr>
+              <a:buFontTx/>
+              <a:buChar char="-"/>
+            </a:pPr>
+            <a:r>
+              <a:rPr lang="fr-FR" sz="1800" dirty="0" smtClean="0"/>
+              <a:t>La création des bâtiments</a:t>
+            </a:r>
+          </a:p>
+          <a:p>
+            <a:pPr>
+              <a:buFontTx/>
+              <a:buChar char="-"/>
+            </a:pPr>
+            <a:r>
+              <a:rPr lang="fr-FR" sz="1800" dirty="0" smtClean="0"/>
+              <a:t>L’enregistrement des factures</a:t>
+            </a:r>
+          </a:p>
+          <a:p>
+            <a:pPr>
+              <a:buFontTx/>
+              <a:buChar char="-"/>
+            </a:pPr>
+            <a:r>
+              <a:rPr lang="fr-FR" sz="1800" dirty="0" smtClean="0"/>
+              <a:t>La réception des lots d’équipements</a:t>
+            </a:r>
+          </a:p>
+          <a:p>
+            <a:pPr>
+              <a:buFontTx/>
+              <a:buChar char="-"/>
+            </a:pPr>
+            <a:r>
+              <a:rPr lang="fr-FR" sz="1800" dirty="0" smtClean="0"/>
+              <a:t>La création des espaces au sein de bâtiments (bureaux, parking, </a:t>
+            </a:r>
+            <a:r>
+              <a:rPr lang="fr-FR" sz="1800" dirty="0" err="1" smtClean="0"/>
+              <a:t>etc</a:t>
+            </a:r>
+            <a:r>
+              <a:rPr lang="fr-FR" sz="1800" dirty="0" smtClean="0"/>
+              <a:t>)</a:t>
+            </a:r>
+          </a:p>
+          <a:p>
+            <a:pPr marL="0" indent="0">
+              <a:buNone/>
+            </a:pPr>
+            <a:endParaRPr lang="fr-FR" sz="1800" dirty="0" smtClean="0"/>
+          </a:p>
+          <a:p>
+            <a:pPr marL="0" indent="0">
+              <a:buNone/>
+            </a:pPr>
+            <a:r>
+              <a:rPr lang="fr-FR" sz="1800" dirty="0" smtClean="0"/>
+              <a:t>Ce qu’il reste encore à faire:</a:t>
+            </a:r>
+          </a:p>
+          <a:p>
+            <a:pPr>
+              <a:buFontTx/>
+              <a:buChar char="-"/>
+            </a:pPr>
+            <a:r>
+              <a:rPr lang="fr-FR" sz="1800" dirty="0" smtClean="0"/>
+              <a:t>La création des structures et des postes de responsabilité</a:t>
+            </a:r>
+          </a:p>
+          <a:p>
+            <a:pPr>
+              <a:buFontTx/>
+              <a:buChar char="-"/>
+            </a:pPr>
+            <a:r>
+              <a:rPr lang="fr-FR" sz="1800" dirty="0" smtClean="0"/>
+              <a:t>L’attribution des bureaux au personnel</a:t>
+            </a:r>
+          </a:p>
+          <a:p>
+            <a:pPr>
+              <a:buFontTx/>
+              <a:buChar char="-"/>
+            </a:pPr>
+            <a:r>
+              <a:rPr lang="fr-FR" sz="1800" dirty="0" smtClean="0"/>
+              <a:t>L’octroi du matériel</a:t>
+            </a:r>
+          </a:p>
+          <a:p>
+            <a:pPr>
+              <a:buFontTx/>
+              <a:buChar char="-"/>
+            </a:pPr>
+            <a:r>
+              <a:rPr lang="fr-FR" sz="1800" dirty="0" smtClean="0"/>
+              <a:t>L’enregistrement des incidents et des interventions</a:t>
+            </a:r>
+          </a:p>
+          <a:p>
+            <a:pPr>
+              <a:buFontTx/>
+              <a:buChar char="-"/>
+            </a:pPr>
+            <a:r>
+              <a:rPr lang="fr-FR" sz="1800" dirty="0" smtClean="0"/>
+              <a:t>La gestion de la sécurité par authentification et </a:t>
+            </a:r>
+            <a:r>
+              <a:rPr lang="fr-FR" sz="1800" dirty="0" err="1" smtClean="0"/>
+              <a:t>authorization</a:t>
+            </a:r>
+            <a:endParaRPr lang="fr-FR" sz="1800" dirty="0"/>
+          </a:p>
+        </p:txBody>
+      </p:sp>
+      <p:sp>
+        <p:nvSpPr>
+          <p:cNvPr id="4" name="Rectangle 3"/>
+          <p:cNvSpPr/>
+          <p:nvPr/>
+        </p:nvSpPr>
+        <p:spPr>
+          <a:xfrm>
+            <a:off x="2319244" y="404664"/>
+            <a:ext cx="4572000" cy="646331"/>
           </a:xfrm>
           <a:prstGeom prst="rect">
             <a:avLst/>
           </a:prstGeom>
         </p:spPr>
         <p:txBody>
-          <a:bodyPr vert="horz" lIns="91440" tIns="45720" rIns="91440" bIns="45720" rtlCol="0" anchor="ctr">
-            <a:noAutofit/>
+          <a:bodyPr>
+            <a:spAutoFit/>
           </a:bodyPr>
-          <a:lstStyle>
-            <a:lvl1pPr algn="ctr" defTabSz="914400" rtl="0" eaLnBrk="1" latinLnBrk="0" hangingPunct="1">
-              <a:spcBef>
-                <a:spcPct val="0"/>
-              </a:spcBef>
-              <a:buNone/>
-              <a:defRPr sz="4400" kern="1200">
-                <a:solidFill>
-                  <a:schemeClr val="tx1"/>
-                </a:solidFill>
-                <a:latin typeface="+mj-lt"/>
-                <a:ea typeface="+mj-ea"/>
-                <a:cs typeface="+mj-cs"/>
-              </a:defRPr>
-            </a:lvl1pPr>
-          </a:lstStyle>
-          <a:p>
-            <a:r>
-              <a:rPr lang="fr-FR" sz="2800" u="sng" dirty="0" smtClean="0"/>
-              <a:t>THEME</a:t>
-            </a:r>
-            <a:r>
-              <a:rPr lang="fr-FR" sz="2800" dirty="0" smtClean="0"/>
-              <a:t> : CONCEPTION ET RÉALISATION D’UNE APPLICATION DE GESTION DES INFRASTRUCTURES PUBLIQUES: CAS DU MINPROFF</a:t>
-            </a:r>
-            <a:endParaRPr lang="fr-FR" sz="2800" dirty="0"/>
+          <a:lstStyle/>
+          <a:p>
+            <a:r>
+              <a:rPr lang="fr-FR" b="1" dirty="0"/>
+              <a:t>8</a:t>
+            </a:r>
+            <a:r>
+              <a:rPr lang="fr-FR" b="1" dirty="0" smtClean="0"/>
+              <a:t>.    TESTS ET HEBERGEMENT</a:t>
+            </a:r>
+            <a:r>
+              <a:rPr lang="fr-FR" b="1" dirty="0"/>
+              <a:t/>
+            </a:r>
+            <a:br>
+              <a:rPr lang="fr-FR" b="1" dirty="0"/>
+            </a:br>
+            <a:endParaRPr lang="fr-FR" dirty="0"/>
           </a:p>
         </p:txBody>
       </p:sp>
     </p:spTree>
     <p:extLst>
       <p:ext uri="{BB962C8B-B14F-4D97-AF65-F5344CB8AC3E}">
-        <p14:creationId xmlns:p14="http://schemas.microsoft.com/office/powerpoint/2010/main" val="3760092656"/>
+        <p14:creationId xmlns:p14="http://schemas.microsoft.com/office/powerpoint/2010/main" val="967124170"/>
       </p:ext>
     </p:extLst>
   </p:cSld>
@@ -3208,18 +3448,18 @@
       </p:grpSpPr>
       <p:sp>
         <p:nvSpPr>
-          <p:cNvPr id="2" name="Titre 1"/>
-          <p:cNvSpPr>
-            <a:spLocks noGrp="1"/>
-          </p:cNvSpPr>
-          <p:nvPr>
-            <p:ph type="ctrTitle"/>
+          <p:cNvPr id="3" name="Sous-titre 2"/>
+          <p:cNvSpPr>
+            <a:spLocks noGrp="1"/>
+          </p:cNvSpPr>
+          <p:nvPr>
+            <p:ph type="subTitle" idx="1"/>
           </p:nvPr>
         </p:nvSpPr>
         <p:spPr>
           <a:xfrm>
-            <a:off x="899592" y="188640"/>
-            <a:ext cx="6912768" cy="720080"/>
+            <a:off x="251520" y="1844824"/>
+            <a:ext cx="8496944" cy="3312368"/>
           </a:xfrm>
         </p:spPr>
         <p:txBody>
@@ -3228,17 +3468,141 @@
           </a:bodyPr>
           <a:lstStyle/>
           <a:p>
-            <a:r>
-              <a:rPr lang="fr-FR" sz="1800" dirty="0" smtClean="0"/>
-              <a:t>CHAPITRE 1 : PRESENTATION DE LA STRUCTURE DE STAGE</a:t>
-            </a:r>
-            <a:endParaRPr lang="fr-FR" sz="1800" dirty="0"/>
-          </a:p>
-        </p:txBody>
-      </p:sp>
-      <p:sp>
-        <p:nvSpPr>
-          <p:cNvPr id="4" name="Titre 1"/>
+            <a:pPr marL="342900" indent="-342900">
+              <a:buFont typeface="+mj-lt"/>
+              <a:buAutoNum type="arabicPeriod"/>
+            </a:pPr>
+            <a:r>
+              <a:rPr lang="fr-FR" sz="1800" b="1" dirty="0" smtClean="0">
+                <a:solidFill>
+                  <a:schemeClr val="tx1"/>
+                </a:solidFill>
+              </a:rPr>
+              <a:t>CONTEXTE ET PERTINENCE DU THÈME</a:t>
+            </a:r>
+            <a:endParaRPr lang="fr-FR" sz="1600" b="1" dirty="0" smtClean="0">
+              <a:solidFill>
+                <a:schemeClr val="tx1"/>
+              </a:solidFill>
+            </a:endParaRPr>
+          </a:p>
+          <a:p>
+            <a:pPr marL="342900" indent="-342900">
+              <a:buFont typeface="+mj-lt"/>
+              <a:buAutoNum type="arabicPeriod"/>
+            </a:pPr>
+            <a:r>
+              <a:rPr lang="fr-FR" sz="1800" b="1" dirty="0" smtClean="0">
+                <a:solidFill>
+                  <a:schemeClr val="tx1"/>
+                </a:solidFill>
+              </a:rPr>
+              <a:t>PRESENTATION DE LA STRUCTURE DE STAGE</a:t>
+            </a:r>
+          </a:p>
+          <a:p>
+            <a:pPr marL="342900" indent="-342900">
+              <a:buFont typeface="+mj-lt"/>
+              <a:buAutoNum type="arabicPeriod"/>
+            </a:pPr>
+            <a:r>
+              <a:rPr lang="fr-FR" sz="1800" b="1" dirty="0" smtClean="0">
+                <a:solidFill>
+                  <a:schemeClr val="tx1"/>
+                </a:solidFill>
+              </a:rPr>
+              <a:t>REVUE DE LA LITTÉRATURE</a:t>
+            </a:r>
+          </a:p>
+          <a:p>
+            <a:pPr marL="342900" indent="-342900">
+              <a:buFont typeface="+mj-lt"/>
+              <a:buAutoNum type="arabicPeriod"/>
+            </a:pPr>
+            <a:r>
+              <a:rPr lang="fr-FR" sz="1800" b="1" dirty="0" smtClean="0">
+                <a:solidFill>
+                  <a:schemeClr val="tx1"/>
+                </a:solidFill>
+              </a:rPr>
+              <a:t>SOLUTION PROPOSEE</a:t>
+            </a:r>
+          </a:p>
+          <a:p>
+            <a:pPr marL="342900" indent="-342900">
+              <a:buFont typeface="+mj-lt"/>
+              <a:buAutoNum type="arabicPeriod"/>
+            </a:pPr>
+            <a:r>
+              <a:rPr lang="fr-FR" sz="1800" b="1" dirty="0" smtClean="0">
+                <a:solidFill>
+                  <a:schemeClr val="tx1"/>
+                </a:solidFill>
+              </a:rPr>
+              <a:t>ARCHITECTURE TECHNIQUE</a:t>
+            </a:r>
+          </a:p>
+          <a:p>
+            <a:pPr marL="342900" indent="-342900">
+              <a:buFont typeface="+mj-lt"/>
+              <a:buAutoNum type="arabicPeriod"/>
+            </a:pPr>
+            <a:r>
+              <a:rPr lang="fr-FR" sz="1800" b="1" dirty="0" smtClean="0">
+                <a:solidFill>
+                  <a:schemeClr val="tx1"/>
+                </a:solidFill>
+              </a:rPr>
+              <a:t>FRONTEND</a:t>
+            </a:r>
+          </a:p>
+          <a:p>
+            <a:pPr marL="342900" indent="-342900">
+              <a:buFont typeface="+mj-lt"/>
+              <a:buAutoNum type="arabicPeriod"/>
+            </a:pPr>
+            <a:r>
+              <a:rPr lang="fr-FR" sz="1800" b="1" dirty="0" smtClean="0">
+                <a:solidFill>
+                  <a:schemeClr val="tx1"/>
+                </a:solidFill>
+              </a:rPr>
+              <a:t>BACKEND</a:t>
+            </a:r>
+          </a:p>
+          <a:p>
+            <a:pPr marL="342900" indent="-342900">
+              <a:buFont typeface="+mj-lt"/>
+              <a:buAutoNum type="arabicPeriod"/>
+            </a:pPr>
+            <a:r>
+              <a:rPr lang="fr-FR" sz="1800" b="1" dirty="0" smtClean="0">
+                <a:solidFill>
+                  <a:schemeClr val="tx1"/>
+                </a:solidFill>
+              </a:rPr>
+              <a:t>TESTS ET HEBERGEMENT</a:t>
+            </a:r>
+          </a:p>
+          <a:p>
+            <a:pPr marL="342900" indent="-342900">
+              <a:buFont typeface="+mj-lt"/>
+              <a:buAutoNum type="arabicPeriod"/>
+            </a:pPr>
+            <a:r>
+              <a:rPr lang="fr-FR" sz="1800" b="1" dirty="0" smtClean="0">
+                <a:solidFill>
+                  <a:schemeClr val="tx1"/>
+                </a:solidFill>
+              </a:rPr>
+              <a:t>CONCLUSIONS ET PERSPECTIVES</a:t>
+            </a:r>
+          </a:p>
+        </p:txBody>
+      </p:sp>
+      <p:sp>
+        <p:nvSpPr>
+          <p:cNvPr id="5" name="Titre 1"/>
           <p:cNvSpPr txBox="1">
             <a:spLocks/>
           </p:cNvSpPr>
@@ -3246,8 +3610,8 @@
         </p:nvSpPr>
         <p:spPr>
           <a:xfrm>
-            <a:off x="1043608" y="1124744"/>
-            <a:ext cx="7488832" cy="1296144"/>
+            <a:off x="755576" y="548679"/>
+            <a:ext cx="7772400" cy="936105"/>
           </a:xfrm>
           <a:prstGeom prst="rect">
             <a:avLst/>
@@ -3255,7 +3619,7 @@
         </p:spPr>
         <p:txBody>
           <a:bodyPr vert="horz" lIns="91440" tIns="45720" rIns="91440" bIns="45720" rtlCol="0" anchor="ctr">
-            <a:noAutofit/>
+            <a:normAutofit/>
           </a:bodyPr>
           <a:lstStyle>
             <a:lvl1pPr algn="ctr" defTabSz="914400" rtl="0" eaLnBrk="1" latinLnBrk="0" hangingPunct="1">
@@ -3274,96 +3638,1002 @@
             </a:lvl1pPr>
           </a:lstStyle>
           <a:p>
-            <a:pPr algn="just"/>
-            <a:r>
-              <a:rPr lang="fr-FR" sz="1800" b="1" u="sng" dirty="0" smtClean="0"/>
-              <a:t>LIEU</a:t>
-            </a:r>
-            <a:r>
-              <a:rPr lang="fr-FR" sz="1800" dirty="0" smtClean="0"/>
-              <a:t> : MINPROFF (Ministère de la Promotion de la Femme et de la Famille)</a:t>
-            </a:r>
-          </a:p>
-          <a:p>
-            <a:pPr algn="just"/>
-            <a:endParaRPr lang="fr-FR" sz="1800" dirty="0"/>
-          </a:p>
-          <a:p>
-            <a:pPr algn="just"/>
-            <a:r>
-              <a:rPr lang="fr-FR" sz="1800" dirty="0" smtClean="0"/>
-              <a:t>A la Cellule Informatique mais aussi à la Sous-Direction du Budget et du Matériel</a:t>
-            </a:r>
-            <a:endParaRPr lang="fr-FR" sz="1800" dirty="0"/>
-          </a:p>
-        </p:txBody>
-      </p:sp>
-      <p:sp>
-        <p:nvSpPr>
-          <p:cNvPr id="5" name="Titre 1"/>
-          <p:cNvSpPr txBox="1">
-            <a:spLocks/>
-          </p:cNvSpPr>
-          <p:nvPr/>
+            <a:r>
+              <a:rPr lang="fr-FR" sz="2800" dirty="0" smtClean="0">
+                <a:solidFill>
+                  <a:srgbClr val="C00000"/>
+                </a:solidFill>
+              </a:rPr>
+              <a:t>PRESENTATION DU TRAVAIL EFFECTUE A DATE</a:t>
+            </a:r>
+            <a:endParaRPr lang="fr-FR" sz="2800" dirty="0">
+              <a:solidFill>
+                <a:srgbClr val="C00000"/>
+              </a:solidFill>
+            </a:endParaRPr>
+          </a:p>
+        </p:txBody>
+      </p:sp>
+    </p:spTree>
+    <p:extLst>
+      <p:ext uri="{BB962C8B-B14F-4D97-AF65-F5344CB8AC3E}">
+        <p14:creationId xmlns:p14="http://schemas.microsoft.com/office/powerpoint/2010/main" val="541992132"/>
+      </p:ext>
+    </p:extLst>
+  </p:cSld>
+  <p:clrMapOvr>
+    <a:masterClrMapping/>
+  </p:clrMapOvr>
+</p:sld>
+</file>
+
+<file path=ppt/slides/slide3.xml><?xml version="1.0" encoding="utf-8"?>
+<p:sld xmlns:a="http://schemas.openxmlformats.org/drawingml/2006/main" xmlns:r="http://schemas.openxmlformats.org/officeDocument/2006/relationships" xmlns:p="http://schemas.openxmlformats.org/presentationml/2006/main">
+  <p:cSld>
+    <p:spTree>
+      <p:nvGrpSpPr>
+        <p:cNvPr id="1" name=""/>
+        <p:cNvGrpSpPr/>
+        <p:nvPr/>
+      </p:nvGrpSpPr>
+      <p:grpSpPr>
+        <a:xfrm>
+          <a:off x="0" y="0"/>
+          <a:ext cx="0" cy="0"/>
+          <a:chOff x="0" y="0"/>
+          <a:chExt cx="0" cy="0"/>
+        </a:xfrm>
+      </p:grpSpPr>
+      <p:sp>
+        <p:nvSpPr>
+          <p:cNvPr id="3" name="Espace réservé du contenu 2"/>
+          <p:cNvSpPr>
+            <a:spLocks noGrp="1"/>
+          </p:cNvSpPr>
+          <p:nvPr>
+            <p:ph idx="1"/>
+          </p:nvPr>
         </p:nvSpPr>
         <p:spPr>
           <a:xfrm>
-            <a:off x="1043608" y="3429000"/>
-            <a:ext cx="7488832" cy="1296144"/>
+            <a:off x="467544" y="1340768"/>
+            <a:ext cx="8229600" cy="4525963"/>
+          </a:xfrm>
+        </p:spPr>
+        <p:txBody>
+          <a:bodyPr>
+            <a:normAutofit lnSpcReduction="10000"/>
+          </a:bodyPr>
+          <a:lstStyle/>
+          <a:p>
+            <a:pPr marL="0" indent="0">
+              <a:buNone/>
+            </a:pPr>
+            <a:r>
+              <a:rPr lang="fr-FR" sz="1800" dirty="0" smtClean="0"/>
+              <a:t>La gestion du matériel et plus généralement des infrastructures est une préoccupation majeure pour toute organisation qui désire aligner les performances de son personnel en adéquation avec une infrastructure adéquate.</a:t>
+            </a:r>
+          </a:p>
+          <a:p>
+            <a:pPr marL="0" indent="0">
+              <a:buNone/>
+            </a:pPr>
+            <a:r>
+              <a:rPr lang="fr-FR" sz="1800" dirty="0" smtClean="0"/>
+              <a:t>Le MINPROFF ne déroge pas à cette volonté.</a:t>
+            </a:r>
+          </a:p>
+          <a:p>
+            <a:pPr marL="0" indent="0">
+              <a:buNone/>
+            </a:pPr>
+            <a:r>
+              <a:rPr lang="fr-FR" sz="1800" dirty="0" smtClean="0"/>
+              <a:t>Dans ce contexte, la Sous-Direction du Budget, du Matériel et de la Maintenance a chargé la Cellule Informatique, à travers  ce stage, de proposer une solution informatique qui permettrait de suivre la gestion des équipements depuis la livraison jusqu’à la mise au rebus.</a:t>
+            </a:r>
+          </a:p>
+          <a:p>
+            <a:pPr marL="0" indent="0">
+              <a:buNone/>
+            </a:pPr>
+            <a:r>
+              <a:rPr lang="fr-FR" sz="1800" dirty="0" smtClean="0"/>
+              <a:t>Elle pourrait au préalable disposer des fonctionnalités suivantes:</a:t>
+            </a:r>
+          </a:p>
+          <a:p>
+            <a:pPr>
+              <a:buFontTx/>
+              <a:buChar char="-"/>
+            </a:pPr>
+            <a:r>
+              <a:rPr lang="fr-FR" sz="1800" dirty="0" smtClean="0"/>
+              <a:t>la réception des lots d’équipements</a:t>
+            </a:r>
+          </a:p>
+          <a:p>
+            <a:pPr>
+              <a:buFontTx/>
+              <a:buChar char="-"/>
+            </a:pPr>
+            <a:r>
+              <a:rPr lang="fr-FR" sz="1800" dirty="0"/>
+              <a:t>l</a:t>
+            </a:r>
+            <a:r>
+              <a:rPr lang="fr-FR" sz="1800" dirty="0" smtClean="0"/>
+              <a:t>a gestion des factures d’eau, d’électricité, de téléphone avec des alertes en cas de dépassement d’un seuil fixé au départ</a:t>
+            </a:r>
+          </a:p>
+          <a:p>
+            <a:pPr>
+              <a:buFontTx/>
+              <a:buChar char="-"/>
+            </a:pPr>
+            <a:r>
+              <a:rPr lang="fr-FR" sz="1800" dirty="0" smtClean="0"/>
+              <a:t>le repérage par GPS des démembrements du Ministère à travers l’étendue du territoire</a:t>
+            </a:r>
+          </a:p>
+          <a:p>
+            <a:pPr>
+              <a:buFontTx/>
+              <a:buChar char="-"/>
+            </a:pPr>
+            <a:r>
+              <a:rPr lang="fr-FR" sz="1800" dirty="0" smtClean="0"/>
+              <a:t>l’attribution des bureaux au personnel</a:t>
+            </a:r>
+          </a:p>
+          <a:p>
+            <a:pPr>
+              <a:buFontTx/>
+              <a:buChar char="-"/>
+            </a:pPr>
+            <a:r>
+              <a:rPr lang="fr-FR" sz="1800" dirty="0" smtClean="0"/>
+              <a:t>Le suivi des demandes de matériel, les incidents et les interventions</a:t>
+            </a:r>
+            <a:endParaRPr lang="fr-FR" sz="1800" dirty="0"/>
+          </a:p>
+        </p:txBody>
+      </p:sp>
+      <p:sp>
+        <p:nvSpPr>
+          <p:cNvPr id="4" name="Titre 1"/>
+          <p:cNvSpPr>
+            <a:spLocks noGrp="1"/>
+          </p:cNvSpPr>
+          <p:nvPr>
+            <p:ph type="title"/>
+          </p:nvPr>
+        </p:nvSpPr>
+        <p:spPr/>
+        <p:txBody>
+          <a:bodyPr>
+            <a:normAutofit/>
+          </a:bodyPr>
+          <a:lstStyle/>
+          <a:p>
+            <a:pPr marL="342900" indent="-342900">
+              <a:buFont typeface="+mj-lt"/>
+              <a:buAutoNum type="arabicPeriod"/>
+            </a:pPr>
+            <a:r>
+              <a:rPr lang="fr-FR" sz="2000" b="1" dirty="0" smtClean="0">
+                <a:solidFill>
+                  <a:schemeClr val="tx1"/>
+                </a:solidFill>
+              </a:rPr>
+              <a:t>CONTEXTE ET PERTINENCE DU THÈME</a:t>
+            </a:r>
+            <a:endParaRPr lang="fr-FR" sz="2000" b="1" dirty="0" smtClean="0">
+              <a:solidFill>
+                <a:schemeClr val="tx1"/>
+              </a:solidFill>
+            </a:endParaRPr>
+          </a:p>
+        </p:txBody>
+      </p:sp>
+    </p:spTree>
+    <p:extLst>
+      <p:ext uri="{BB962C8B-B14F-4D97-AF65-F5344CB8AC3E}">
+        <p14:creationId xmlns:p14="http://schemas.microsoft.com/office/powerpoint/2010/main" val="552530405"/>
+      </p:ext>
+    </p:extLst>
+  </p:cSld>
+  <p:clrMapOvr>
+    <a:masterClrMapping/>
+  </p:clrMapOvr>
+</p:sld>
+</file>
+
+<file path=ppt/slides/slide4.xml><?xml version="1.0" encoding="utf-8"?>
+<p:sld xmlns:a="http://schemas.openxmlformats.org/drawingml/2006/main" xmlns:r="http://schemas.openxmlformats.org/officeDocument/2006/relationships" xmlns:p="http://schemas.openxmlformats.org/presentationml/2006/main">
+  <p:cSld>
+    <p:spTree>
+      <p:nvGrpSpPr>
+        <p:cNvPr id="1" name=""/>
+        <p:cNvGrpSpPr/>
+        <p:nvPr/>
+      </p:nvGrpSpPr>
+      <p:grpSpPr>
+        <a:xfrm>
+          <a:off x="0" y="0"/>
+          <a:ext cx="0" cy="0"/>
+          <a:chOff x="0" y="0"/>
+          <a:chExt cx="0" cy="0"/>
+        </a:xfrm>
+      </p:grpSpPr>
+      <p:sp>
+        <p:nvSpPr>
+          <p:cNvPr id="3" name="Espace réservé du contenu 2"/>
+          <p:cNvSpPr>
+            <a:spLocks noGrp="1"/>
+          </p:cNvSpPr>
+          <p:nvPr>
+            <p:ph idx="1"/>
+          </p:nvPr>
+        </p:nvSpPr>
+        <p:spPr/>
+        <p:txBody>
+          <a:bodyPr>
+            <a:normAutofit/>
+          </a:bodyPr>
+          <a:lstStyle/>
+          <a:p>
+            <a:pPr marL="0" indent="0">
+              <a:buNone/>
+            </a:pPr>
+            <a:r>
+              <a:rPr lang="fr-FR" sz="1800" dirty="0" smtClean="0"/>
+              <a:t>Notre stage en entreprise s’est effectué à la Cellule Informatique du MINPROFF.</a:t>
+            </a:r>
+          </a:p>
+          <a:p>
+            <a:pPr marL="0" indent="0">
+              <a:buNone/>
+            </a:pPr>
+            <a:r>
+              <a:rPr lang="fr-FR" sz="1800" dirty="0" smtClean="0"/>
+              <a:t>Avec des passages réguliers à la Sous-Direction du Budget, du Matériel et de la Maintenance pour interviewer le personnel afin de bien comprendre les besoins.</a:t>
+            </a:r>
+          </a:p>
+          <a:p>
+            <a:pPr marL="0" indent="0">
+              <a:buNone/>
+            </a:pPr>
+            <a:r>
+              <a:rPr lang="fr-FR" sz="1800" dirty="0" smtClean="0"/>
+              <a:t>Au sortir de ces multiples échanges,</a:t>
+            </a:r>
+          </a:p>
+          <a:p>
+            <a:pPr>
+              <a:buFontTx/>
+              <a:buChar char="-"/>
+            </a:pPr>
+            <a:r>
+              <a:rPr lang="fr-FR" sz="1800" dirty="0" smtClean="0"/>
+              <a:t>le personnel de la Cellule Informatique développe et administre l’application avec l’emprise sur le volet réservé au Parc Informatique (réception, maintenance)</a:t>
+            </a:r>
+          </a:p>
+          <a:p>
+            <a:pPr>
+              <a:buFontTx/>
+              <a:buChar char="-"/>
+            </a:pPr>
+            <a:r>
+              <a:rPr lang="fr-FR" sz="1800" dirty="0" smtClean="0"/>
+              <a:t>le personnel de la Sous-Direction du Budget gère les demandes de matériel et la réception des autres équipements (autres que le matériel informatique): il existe même au Service du Budget un Bureau chargé de la Maintenance et des Infrastructures;</a:t>
+            </a:r>
+          </a:p>
+          <a:p>
+            <a:pPr>
+              <a:buFontTx/>
+              <a:buChar char="-"/>
+            </a:pPr>
+            <a:r>
+              <a:rPr lang="fr-FR" sz="1800" dirty="0"/>
+              <a:t>l</a:t>
+            </a:r>
+            <a:r>
+              <a:rPr lang="fr-FR" sz="1800" dirty="0" smtClean="0"/>
+              <a:t>es autres utilisateurs déclarent les incidents et font des appréciations au sujet de la qualité des interventions faites par les techniciens;</a:t>
+            </a:r>
+            <a:endParaRPr lang="fr-FR" sz="1800" dirty="0"/>
+          </a:p>
+        </p:txBody>
+      </p:sp>
+      <p:sp>
+        <p:nvSpPr>
+          <p:cNvPr id="4" name="Titre 1"/>
+          <p:cNvSpPr>
+            <a:spLocks noGrp="1"/>
+          </p:cNvSpPr>
+          <p:nvPr>
+            <p:ph type="title"/>
+          </p:nvPr>
+        </p:nvSpPr>
+        <p:spPr>
+          <a:xfrm>
+            <a:off x="457200" y="274638"/>
+            <a:ext cx="8229600" cy="1143000"/>
+          </a:xfrm>
+        </p:spPr>
+        <p:txBody>
+          <a:bodyPr>
+            <a:normAutofit/>
+          </a:bodyPr>
+          <a:lstStyle/>
+          <a:p>
+            <a:r>
+              <a:rPr lang="fr-FR" sz="2000" b="1" dirty="0" smtClean="0">
+                <a:solidFill>
+                  <a:schemeClr val="tx1"/>
+                </a:solidFill>
+              </a:rPr>
+              <a:t>2.  PRESENTATION DE LA STRUCTURE DE STAGE</a:t>
+            </a:r>
+            <a:endParaRPr lang="fr-FR" sz="2000" b="1" dirty="0" smtClean="0">
+              <a:solidFill>
+                <a:schemeClr val="tx1"/>
+              </a:solidFill>
+            </a:endParaRPr>
+          </a:p>
+        </p:txBody>
+      </p:sp>
+    </p:spTree>
+    <p:extLst>
+      <p:ext uri="{BB962C8B-B14F-4D97-AF65-F5344CB8AC3E}">
+        <p14:creationId xmlns:p14="http://schemas.microsoft.com/office/powerpoint/2010/main" val="2136338096"/>
+      </p:ext>
+    </p:extLst>
+  </p:cSld>
+  <p:clrMapOvr>
+    <a:masterClrMapping/>
+  </p:clrMapOvr>
+</p:sld>
+</file>
+
+<file path=ppt/slides/slide5.xml><?xml version="1.0" encoding="utf-8"?>
+<p:sld xmlns:a="http://schemas.openxmlformats.org/drawingml/2006/main" xmlns:r="http://schemas.openxmlformats.org/officeDocument/2006/relationships" xmlns:p="http://schemas.openxmlformats.org/presentationml/2006/main">
+  <p:cSld>
+    <p:spTree>
+      <p:nvGrpSpPr>
+        <p:cNvPr id="1" name=""/>
+        <p:cNvGrpSpPr/>
+        <p:nvPr/>
+      </p:nvGrpSpPr>
+      <p:grpSpPr>
+        <a:xfrm>
+          <a:off x="0" y="0"/>
+          <a:ext cx="0" cy="0"/>
+          <a:chOff x="0" y="0"/>
+          <a:chExt cx="0" cy="0"/>
+        </a:xfrm>
+      </p:grpSpPr>
+      <p:sp>
+        <p:nvSpPr>
+          <p:cNvPr id="3" name="Espace réservé du contenu 2"/>
+          <p:cNvSpPr>
+            <a:spLocks noGrp="1"/>
+          </p:cNvSpPr>
+          <p:nvPr>
+            <p:ph idx="1"/>
+          </p:nvPr>
+        </p:nvSpPr>
+        <p:spPr/>
+        <p:txBody>
+          <a:bodyPr/>
+          <a:lstStyle/>
+          <a:p>
+            <a:endParaRPr lang="fr-FR" dirty="0"/>
+          </a:p>
+        </p:txBody>
+      </p:sp>
+      <p:sp>
+        <p:nvSpPr>
+          <p:cNvPr id="4" name="Titre 1"/>
+          <p:cNvSpPr>
+            <a:spLocks noGrp="1"/>
+          </p:cNvSpPr>
+          <p:nvPr>
+            <p:ph type="title"/>
+          </p:nvPr>
+        </p:nvSpPr>
+        <p:spPr>
+          <a:xfrm>
+            <a:off x="457200" y="274638"/>
+            <a:ext cx="8229600" cy="1143000"/>
+          </a:xfrm>
+        </p:spPr>
+        <p:txBody>
+          <a:bodyPr>
+            <a:normAutofit/>
+          </a:bodyPr>
+          <a:lstStyle/>
+          <a:p>
+            <a:r>
+              <a:rPr lang="fr-FR" sz="2000" b="1" dirty="0"/>
+              <a:t>3</a:t>
+            </a:r>
+            <a:r>
+              <a:rPr lang="fr-FR" sz="2000" b="1" dirty="0" smtClean="0">
+                <a:solidFill>
+                  <a:schemeClr val="tx1"/>
+                </a:solidFill>
+              </a:rPr>
+              <a:t>.  REVUE DE LA LITTERATURE</a:t>
+            </a:r>
+            <a:endParaRPr lang="fr-FR" sz="2000" b="1" dirty="0" smtClean="0">
+              <a:solidFill>
+                <a:schemeClr val="tx1"/>
+              </a:solidFill>
+            </a:endParaRPr>
+          </a:p>
+        </p:txBody>
+      </p:sp>
+    </p:spTree>
+    <p:extLst>
+      <p:ext uri="{BB962C8B-B14F-4D97-AF65-F5344CB8AC3E}">
+        <p14:creationId xmlns:p14="http://schemas.microsoft.com/office/powerpoint/2010/main" val="184473217"/>
+      </p:ext>
+    </p:extLst>
+  </p:cSld>
+  <p:clrMapOvr>
+    <a:masterClrMapping/>
+  </p:clrMapOvr>
+</p:sld>
+</file>
+
+<file path=ppt/slides/slide6.xml><?xml version="1.0" encoding="utf-8"?>
+<p:sld xmlns:a="http://schemas.openxmlformats.org/drawingml/2006/main" xmlns:r="http://schemas.openxmlformats.org/officeDocument/2006/relationships" xmlns:p="http://schemas.openxmlformats.org/presentationml/2006/main">
+  <p:cSld>
+    <p:spTree>
+      <p:nvGrpSpPr>
+        <p:cNvPr id="1" name=""/>
+        <p:cNvGrpSpPr/>
+        <p:nvPr/>
+      </p:nvGrpSpPr>
+      <p:grpSpPr>
+        <a:xfrm>
+          <a:off x="0" y="0"/>
+          <a:ext cx="0" cy="0"/>
+          <a:chOff x="0" y="0"/>
+          <a:chExt cx="0" cy="0"/>
+        </a:xfrm>
+      </p:grpSpPr>
+      <p:sp>
+        <p:nvSpPr>
+          <p:cNvPr id="2" name="Titre 1"/>
+          <p:cNvSpPr>
+            <a:spLocks noGrp="1"/>
+          </p:cNvSpPr>
+          <p:nvPr>
+            <p:ph type="title"/>
+          </p:nvPr>
+        </p:nvSpPr>
+        <p:spPr>
+          <a:xfrm>
+            <a:off x="457200" y="274638"/>
+            <a:ext cx="8229600" cy="706090"/>
+          </a:xfrm>
+        </p:spPr>
+        <p:txBody>
+          <a:bodyPr>
+            <a:normAutofit/>
+          </a:bodyPr>
+          <a:lstStyle/>
+          <a:p>
+            <a:r>
+              <a:rPr lang="fr-FR" sz="1800" b="1" dirty="0" smtClean="0">
+                <a:solidFill>
+                  <a:schemeClr val="tx1"/>
+                </a:solidFill>
+              </a:rPr>
+              <a:t>4.    SOLUTION PROPOSEE</a:t>
+            </a:r>
+            <a:br>
+              <a:rPr lang="fr-FR" sz="1800" b="1" dirty="0" smtClean="0">
+                <a:solidFill>
+                  <a:schemeClr val="tx1"/>
+                </a:solidFill>
+              </a:rPr>
+            </a:br>
+            <a:endParaRPr lang="fr-FR" sz="1800" dirty="0"/>
+          </a:p>
+        </p:txBody>
+      </p:sp>
+      <p:sp>
+        <p:nvSpPr>
+          <p:cNvPr id="3" name="Espace réservé du contenu 2"/>
+          <p:cNvSpPr>
+            <a:spLocks noGrp="1"/>
+          </p:cNvSpPr>
+          <p:nvPr>
+            <p:ph idx="1"/>
+          </p:nvPr>
+        </p:nvSpPr>
+        <p:spPr>
+          <a:xfrm>
+            <a:off x="457200" y="1600201"/>
+            <a:ext cx="8229600" cy="1540768"/>
+          </a:xfrm>
+        </p:spPr>
+        <p:txBody>
+          <a:bodyPr>
+            <a:normAutofit/>
+          </a:bodyPr>
+          <a:lstStyle/>
+          <a:p>
+            <a:pPr marL="0" indent="0">
+              <a:buNone/>
+            </a:pPr>
+            <a:r>
+              <a:rPr lang="fr-FR" sz="1800" dirty="0" smtClean="0"/>
+              <a:t>Nous avons opté pour une solution numérique permettant de tracer le parcours de tout équipement réceptionné par le Ministère et ce jusque dans les services déconcentrés.</a:t>
+            </a:r>
+          </a:p>
+          <a:p>
+            <a:pPr marL="0" indent="0">
+              <a:buNone/>
+            </a:pPr>
+            <a:r>
+              <a:rPr lang="fr-FR" sz="1800" dirty="0" smtClean="0"/>
+              <a:t>Ceci sera réalisé grâce à une base de données relationnelles</a:t>
+            </a:r>
+          </a:p>
+          <a:p>
+            <a:pPr marL="0" indent="0">
+              <a:buNone/>
+            </a:pPr>
+            <a:endParaRPr lang="fr-FR" sz="1800" dirty="0"/>
+          </a:p>
+        </p:txBody>
+      </p:sp>
+    </p:spTree>
+    <p:extLst>
+      <p:ext uri="{BB962C8B-B14F-4D97-AF65-F5344CB8AC3E}">
+        <p14:creationId xmlns:p14="http://schemas.microsoft.com/office/powerpoint/2010/main" val="556862068"/>
+      </p:ext>
+    </p:extLst>
+  </p:cSld>
+  <p:clrMapOvr>
+    <a:masterClrMapping/>
+  </p:clrMapOvr>
+</p:sld>
+</file>
+
+<file path=ppt/slides/slide7.xml><?xml version="1.0" encoding="utf-8"?>
+<p:sld xmlns:a="http://schemas.openxmlformats.org/drawingml/2006/main" xmlns:r="http://schemas.openxmlformats.org/officeDocument/2006/relationships" xmlns:p="http://schemas.openxmlformats.org/presentationml/2006/main">
+  <p:cSld>
+    <p:spTree>
+      <p:nvGrpSpPr>
+        <p:cNvPr id="1" name=""/>
+        <p:cNvGrpSpPr/>
+        <p:nvPr/>
+      </p:nvGrpSpPr>
+      <p:grpSpPr>
+        <a:xfrm>
+          <a:off x="0" y="0"/>
+          <a:ext cx="0" cy="0"/>
+          <a:chOff x="0" y="0"/>
+          <a:chExt cx="0" cy="0"/>
+        </a:xfrm>
+      </p:grpSpPr>
+      <p:sp>
+        <p:nvSpPr>
+          <p:cNvPr id="3" name="Espace réservé du contenu 2"/>
+          <p:cNvSpPr>
+            <a:spLocks noGrp="1"/>
+          </p:cNvSpPr>
+          <p:nvPr>
+            <p:ph idx="1"/>
+          </p:nvPr>
+        </p:nvSpPr>
+        <p:spPr/>
+        <p:txBody>
+          <a:bodyPr>
+            <a:normAutofit/>
+          </a:bodyPr>
+          <a:lstStyle/>
+          <a:p>
+            <a:pPr marL="0" indent="0">
+              <a:buNone/>
+            </a:pPr>
+            <a:r>
+              <a:rPr lang="fr-FR" sz="1800" dirty="0" smtClean="0"/>
+              <a:t>Partant de la solution proposée précédemment, nous avons opté pour une architecture client/serveur découplée ainsi qu’il suit:</a:t>
+            </a:r>
+          </a:p>
+          <a:p>
+            <a:pPr>
+              <a:buFontTx/>
+              <a:buChar char="-"/>
+            </a:pPr>
+            <a:r>
+              <a:rPr lang="fr-FR" sz="1800" dirty="0" smtClean="0"/>
+              <a:t>une partie s’occupant de l’interface graphique (</a:t>
+            </a:r>
+            <a:r>
+              <a:rPr lang="fr-FR" sz="1800" dirty="0" err="1" smtClean="0"/>
+              <a:t>Frontend</a:t>
+            </a:r>
+            <a:r>
+              <a:rPr lang="fr-FR" sz="1800" dirty="0" smtClean="0"/>
+              <a:t>)</a:t>
+            </a:r>
+          </a:p>
+          <a:p>
+            <a:pPr>
+              <a:buFontTx/>
+              <a:buChar char="-"/>
+            </a:pPr>
+            <a:r>
+              <a:rPr lang="fr-FR" sz="1800" dirty="0" smtClean="0"/>
+              <a:t>une partie s’occupant de la partie logique (</a:t>
+            </a:r>
+            <a:r>
+              <a:rPr lang="fr-FR" sz="1800" dirty="0" err="1" smtClean="0"/>
+              <a:t>Backend</a:t>
+            </a:r>
+            <a:r>
+              <a:rPr lang="fr-FR" sz="1800" dirty="0" smtClean="0"/>
+              <a:t>)</a:t>
+            </a:r>
+          </a:p>
+          <a:p>
+            <a:pPr>
+              <a:buFontTx/>
+              <a:buChar char="-"/>
+            </a:pPr>
+            <a:r>
+              <a:rPr lang="fr-FR" sz="1800" dirty="0" smtClean="0"/>
+              <a:t>un middleware permettant la communication entre les 2 parties précédentes à travers des API</a:t>
+            </a:r>
+          </a:p>
+          <a:p>
+            <a:pPr>
+              <a:buFontTx/>
+              <a:buChar char="-"/>
+            </a:pPr>
+            <a:endParaRPr lang="fr-FR" sz="1800" dirty="0"/>
+          </a:p>
+        </p:txBody>
+      </p:sp>
+      <p:sp>
+        <p:nvSpPr>
+          <p:cNvPr id="4" name="Titre 1"/>
+          <p:cNvSpPr>
+            <a:spLocks noGrp="1"/>
+          </p:cNvSpPr>
+          <p:nvPr>
+            <p:ph type="title"/>
+          </p:nvPr>
+        </p:nvSpPr>
+        <p:spPr>
+          <a:xfrm>
+            <a:off x="457200" y="274638"/>
+            <a:ext cx="8229600" cy="706090"/>
+          </a:xfrm>
+        </p:spPr>
+        <p:txBody>
+          <a:bodyPr>
+            <a:normAutofit/>
+          </a:bodyPr>
+          <a:lstStyle/>
+          <a:p>
+            <a:r>
+              <a:rPr lang="fr-FR" sz="1800" b="1" dirty="0"/>
+              <a:t>5</a:t>
+            </a:r>
+            <a:r>
+              <a:rPr lang="fr-FR" sz="1800" b="1" dirty="0" smtClean="0">
+                <a:solidFill>
+                  <a:schemeClr val="tx1"/>
+                </a:solidFill>
+              </a:rPr>
+              <a:t>.    </a:t>
+            </a:r>
+            <a:r>
+              <a:rPr lang="fr-FR" sz="1800" b="1" dirty="0" smtClean="0"/>
+              <a:t>ARCHITECTURE TECHNIQUE</a:t>
+            </a:r>
+            <a:r>
+              <a:rPr lang="fr-FR" sz="1800" b="1" dirty="0" smtClean="0">
+                <a:solidFill>
+                  <a:schemeClr val="tx1"/>
+                </a:solidFill>
+              </a:rPr>
+              <a:t/>
+            </a:r>
+            <a:br>
+              <a:rPr lang="fr-FR" sz="1800" b="1" dirty="0" smtClean="0">
+                <a:solidFill>
+                  <a:schemeClr val="tx1"/>
+                </a:solidFill>
+              </a:rPr>
+            </a:br>
+            <a:endParaRPr lang="fr-FR" sz="1800" dirty="0"/>
+          </a:p>
+        </p:txBody>
+      </p:sp>
+    </p:spTree>
+    <p:extLst>
+      <p:ext uri="{BB962C8B-B14F-4D97-AF65-F5344CB8AC3E}">
+        <p14:creationId xmlns:p14="http://schemas.microsoft.com/office/powerpoint/2010/main" val="3225082071"/>
+      </p:ext>
+    </p:extLst>
+  </p:cSld>
+  <p:clrMapOvr>
+    <a:masterClrMapping/>
+  </p:clrMapOvr>
+</p:sld>
+</file>
+
+<file path=ppt/slides/slide8.xml><?xml version="1.0" encoding="utf-8"?>
+<p:sld xmlns:a="http://schemas.openxmlformats.org/drawingml/2006/main" xmlns:r="http://schemas.openxmlformats.org/officeDocument/2006/relationships" xmlns:p="http://schemas.openxmlformats.org/presentationml/2006/main">
+  <p:cSld>
+    <p:spTree>
+      <p:nvGrpSpPr>
+        <p:cNvPr id="1" name=""/>
+        <p:cNvGrpSpPr/>
+        <p:nvPr/>
+      </p:nvGrpSpPr>
+      <p:grpSpPr>
+        <a:xfrm>
+          <a:off x="0" y="0"/>
+          <a:ext cx="0" cy="0"/>
+          <a:chOff x="0" y="0"/>
+          <a:chExt cx="0" cy="0"/>
+        </a:xfrm>
+      </p:grpSpPr>
+      <p:sp>
+        <p:nvSpPr>
+          <p:cNvPr id="3" name="Espace réservé du contenu 2"/>
+          <p:cNvSpPr>
+            <a:spLocks noGrp="1"/>
+          </p:cNvSpPr>
+          <p:nvPr>
+            <p:ph idx="1"/>
+          </p:nvPr>
+        </p:nvSpPr>
+        <p:spPr/>
+        <p:txBody>
+          <a:bodyPr>
+            <a:normAutofit/>
+          </a:bodyPr>
+          <a:lstStyle/>
+          <a:p>
+            <a:pPr marL="0" indent="0">
+              <a:buNone/>
+            </a:pPr>
+            <a:r>
+              <a:rPr lang="fr-FR" sz="1800" dirty="0" smtClean="0"/>
+              <a:t>La partie </a:t>
+            </a:r>
+            <a:r>
+              <a:rPr lang="fr-FR" sz="1800" dirty="0" err="1" smtClean="0"/>
+              <a:t>Frontend</a:t>
+            </a:r>
+            <a:r>
+              <a:rPr lang="fr-FR" sz="1800" dirty="0" smtClean="0"/>
+              <a:t> a été réalisée à partir de la technologie </a:t>
+            </a:r>
+            <a:r>
+              <a:rPr lang="fr-FR" sz="1800" dirty="0" err="1" smtClean="0"/>
+              <a:t>ReactJs</a:t>
+            </a:r>
+            <a:r>
+              <a:rPr lang="fr-FR" sz="1800" dirty="0" smtClean="0"/>
+              <a:t> qui est une librairie utilisant </a:t>
+            </a:r>
+            <a:r>
+              <a:rPr lang="fr-FR" sz="1800" dirty="0" err="1" smtClean="0"/>
+              <a:t>Javascript</a:t>
+            </a:r>
+            <a:r>
+              <a:rPr lang="fr-FR" sz="1800" dirty="0" smtClean="0"/>
+              <a:t> pour construire des interfaces graphiques dynamiques, notamment  grâce à l’imbrication de composants</a:t>
+            </a:r>
+            <a:endParaRPr lang="fr-FR" sz="1800" dirty="0"/>
+          </a:p>
+        </p:txBody>
+      </p:sp>
+      <p:sp>
+        <p:nvSpPr>
+          <p:cNvPr id="4" name="Titre 1"/>
+          <p:cNvSpPr>
+            <a:spLocks noGrp="1"/>
+          </p:cNvSpPr>
+          <p:nvPr>
+            <p:ph type="title"/>
+          </p:nvPr>
+        </p:nvSpPr>
+        <p:spPr>
+          <a:xfrm>
+            <a:off x="457200" y="274638"/>
+            <a:ext cx="8229600" cy="706090"/>
+          </a:xfrm>
+        </p:spPr>
+        <p:txBody>
+          <a:bodyPr>
+            <a:normAutofit/>
+          </a:bodyPr>
+          <a:lstStyle/>
+          <a:p>
+            <a:r>
+              <a:rPr lang="fr-FR" sz="1800" b="1" dirty="0" smtClean="0"/>
+              <a:t>6</a:t>
+            </a:r>
+            <a:r>
+              <a:rPr lang="fr-FR" sz="1800" b="1" dirty="0" smtClean="0">
+                <a:solidFill>
+                  <a:schemeClr val="tx1"/>
+                </a:solidFill>
+              </a:rPr>
+              <a:t>.    </a:t>
+            </a:r>
+            <a:r>
+              <a:rPr lang="fr-FR" sz="1800" b="1" dirty="0" smtClean="0"/>
+              <a:t>FRONTEND</a:t>
+            </a:r>
+            <a:r>
+              <a:rPr lang="fr-FR" sz="1800" b="1" dirty="0" smtClean="0">
+                <a:solidFill>
+                  <a:schemeClr val="tx1"/>
+                </a:solidFill>
+              </a:rPr>
+              <a:t/>
+            </a:r>
+            <a:br>
+              <a:rPr lang="fr-FR" sz="1800" b="1" dirty="0" smtClean="0">
+                <a:solidFill>
+                  <a:schemeClr val="tx1"/>
+                </a:solidFill>
+              </a:rPr>
+            </a:br>
+            <a:endParaRPr lang="fr-FR" sz="1800" dirty="0"/>
+          </a:p>
+        </p:txBody>
+      </p:sp>
+    </p:spTree>
+    <p:extLst>
+      <p:ext uri="{BB962C8B-B14F-4D97-AF65-F5344CB8AC3E}">
+        <p14:creationId xmlns:p14="http://schemas.microsoft.com/office/powerpoint/2010/main" val="429692327"/>
+      </p:ext>
+    </p:extLst>
+  </p:cSld>
+  <p:clrMapOvr>
+    <a:masterClrMapping/>
+  </p:clrMapOvr>
+</p:sld>
+</file>
+
+<file path=ppt/slides/slide9.xml><?xml version="1.0" encoding="utf-8"?>
+<p:sld xmlns:a="http://schemas.openxmlformats.org/drawingml/2006/main" xmlns:r="http://schemas.openxmlformats.org/officeDocument/2006/relationships" xmlns:p="http://schemas.openxmlformats.org/presentationml/2006/main">
+  <p:cSld>
+    <p:spTree>
+      <p:nvGrpSpPr>
+        <p:cNvPr id="1" name=""/>
+        <p:cNvGrpSpPr/>
+        <p:nvPr/>
+      </p:nvGrpSpPr>
+      <p:grpSpPr>
+        <a:xfrm>
+          <a:off x="0" y="0"/>
+          <a:ext cx="0" cy="0"/>
+          <a:chOff x="0" y="0"/>
+          <a:chExt cx="0" cy="0"/>
+        </a:xfrm>
+      </p:grpSpPr>
+      <p:sp>
+        <p:nvSpPr>
+          <p:cNvPr id="3" name="Espace réservé du contenu 2"/>
+          <p:cNvSpPr>
+            <a:spLocks noGrp="1"/>
+          </p:cNvSpPr>
+          <p:nvPr>
+            <p:ph idx="1"/>
+          </p:nvPr>
+        </p:nvSpPr>
+        <p:spPr>
+          <a:xfrm>
+            <a:off x="457200" y="1600201"/>
+            <a:ext cx="8229600" cy="3340968"/>
+          </a:xfrm>
+        </p:spPr>
+        <p:txBody>
+          <a:bodyPr>
+            <a:normAutofit/>
+          </a:bodyPr>
+          <a:lstStyle/>
+          <a:p>
+            <a:pPr marL="0" indent="0">
+              <a:buNone/>
+            </a:pPr>
+            <a:r>
+              <a:rPr lang="fr-FR" sz="1800" dirty="0" smtClean="0"/>
+              <a:t>Pour ce qui est du </a:t>
+            </a:r>
+            <a:r>
+              <a:rPr lang="fr-FR" sz="1800" dirty="0" err="1" smtClean="0"/>
+              <a:t>backend</a:t>
+            </a:r>
+            <a:r>
+              <a:rPr lang="fr-FR" sz="1800" dirty="0" smtClean="0"/>
+              <a:t>, nous avons utilisé le langage Java en nous appuyant sur le tandem </a:t>
+            </a:r>
+            <a:r>
+              <a:rPr lang="fr-FR" sz="1800" dirty="0" err="1" smtClean="0"/>
+              <a:t>SpringBoot</a:t>
+            </a:r>
+            <a:r>
+              <a:rPr lang="fr-FR" sz="1800" dirty="0" smtClean="0"/>
+              <a:t> /JPA.</a:t>
+            </a:r>
+          </a:p>
+          <a:p>
+            <a:pPr marL="0" indent="0">
+              <a:buNone/>
+            </a:pPr>
+            <a:r>
+              <a:rPr lang="fr-FR" sz="1800" dirty="0" smtClean="0"/>
+              <a:t>Cette association permet de communiquer avec n’importe quelle base de données en réduisant la complexité du </a:t>
+            </a:r>
+            <a:r>
+              <a:rPr lang="fr-FR" sz="1800" dirty="0" err="1" smtClean="0"/>
+              <a:t>language</a:t>
+            </a:r>
+            <a:r>
+              <a:rPr lang="fr-FR" sz="1800" dirty="0" smtClean="0"/>
+              <a:t> SQL</a:t>
+            </a:r>
+            <a:endParaRPr lang="fr-FR" sz="1800" dirty="0"/>
+          </a:p>
+        </p:txBody>
+      </p:sp>
+      <p:sp>
+        <p:nvSpPr>
+          <p:cNvPr id="4" name="Rectangle 3"/>
+          <p:cNvSpPr/>
+          <p:nvPr/>
+        </p:nvSpPr>
+        <p:spPr>
+          <a:xfrm>
+            <a:off x="2319244" y="404664"/>
+            <a:ext cx="4572000" cy="646331"/>
           </a:xfrm>
           <a:prstGeom prst="rect">
             <a:avLst/>
           </a:prstGeom>
         </p:spPr>
         <p:txBody>
-          <a:bodyPr vert="horz" lIns="91440" tIns="45720" rIns="91440" bIns="45720" rtlCol="0" anchor="ctr">
-            <a:noAutofit/>
+          <a:bodyPr>
+            <a:spAutoFit/>
           </a:bodyPr>
-          <a:lstStyle>
-            <a:lvl1pPr algn="ctr" defTabSz="914400" rtl="0" eaLnBrk="1" latinLnBrk="0" hangingPunct="1">
-              <a:spcBef>
-                <a:spcPct val="0"/>
-              </a:spcBef>
-              <a:buNone/>
-              <a:defRPr sz="4400" kern="1200">
-                <a:solidFill>
-                  <a:schemeClr val="tx1"/>
-                </a:solidFill>
-                <a:latin typeface="+mj-lt"/>
-                <a:ea typeface="+mj-ea"/>
-                <a:cs typeface="+mj-cs"/>
-              </a:defRPr>
-            </a:lvl1pPr>
-          </a:lstStyle>
-          <a:p>
-            <a:pPr algn="just"/>
-            <a:r>
-              <a:rPr lang="fr-FR" sz="1800" b="1" u="sng" dirty="0" smtClean="0"/>
-              <a:t>CONTEXTE</a:t>
-            </a:r>
-            <a:r>
-              <a:rPr lang="fr-FR" sz="1800" dirty="0" smtClean="0"/>
-              <a:t>: MINPROFF (Ministère de la Promotion de la Femme et de la Famille)</a:t>
-            </a:r>
-          </a:p>
-          <a:p>
-            <a:pPr algn="just"/>
-            <a:endParaRPr lang="fr-FR" sz="1800" dirty="0"/>
-          </a:p>
-          <a:p>
-            <a:pPr algn="just"/>
-            <a:r>
-              <a:rPr lang="fr-FR" sz="1800" dirty="0" smtClean="0"/>
-              <a:t>A la Cellule Informatique mais aussi à la Sous-Direction du Budget et du Matériel</a:t>
-            </a:r>
-            <a:endParaRPr lang="fr-FR" sz="1800" dirty="0"/>
+          <a:lstStyle/>
+          <a:p>
+            <a:r>
+              <a:rPr lang="fr-FR" b="1" dirty="0" smtClean="0"/>
+              <a:t>7.    BACKEND</a:t>
+            </a:r>
+            <a:r>
+              <a:rPr lang="fr-FR" b="1" dirty="0"/>
+              <a:t/>
+            </a:r>
+            <a:br>
+              <a:rPr lang="fr-FR" b="1" dirty="0"/>
+            </a:br>
+            <a:endParaRPr lang="fr-FR" dirty="0"/>
           </a:p>
         </p:txBody>
       </p:sp>
     </p:spTree>
     <p:extLst>
       <p:ext uri="{BB962C8B-B14F-4D97-AF65-F5344CB8AC3E}">
-        <p14:creationId xmlns:p14="http://schemas.microsoft.com/office/powerpoint/2010/main" val="2362182853"/>
+        <p14:creationId xmlns:p14="http://schemas.microsoft.com/office/powerpoint/2010/main" val="3886382834"/>
       </p:ext>
     </p:extLst>
   </p:cSld>
